--- a/Competition/통계청_자연어 기반 인공지능 산업분류 자동화/presentation/통계청_자연어 기반 인공지능 산업분류 자동화.pptx
+++ b/Competition/통계청_자연어 기반 인공지능 산업분류 자동화/presentation/통계청_자연어 기반 인공지능 산업분류 자동화.pptx
@@ -14,27 +14,28 @@
     <p:sldId id="343" r:id="rId8"/>
     <p:sldId id="338" r:id="rId9"/>
     <p:sldId id="259" r:id="rId10"/>
+    <p:sldId id="344" r:id="rId11"/>
   </p:sldIdLst>
   <p:sldSz cx="12192000" cy="6858000"/>
   <p:notesSz cx="6858000" cy="9144000"/>
   <p:embeddedFontLst>
     <p:embeddedFont>
       <p:font typeface="Roboto Condensed Light" panose="02000000000000000000" pitchFamily="2" charset="0"/>
-      <p:regular r:id="rId11"/>
-      <p:italic r:id="rId12"/>
+      <p:regular r:id="rId12"/>
+      <p:italic r:id="rId13"/>
     </p:embeddedFont>
     <p:embeddedFont>
       <p:font typeface="나눔스퀘어 Bold" panose="020B0600000101010101" pitchFamily="50" charset="-127"/>
-      <p:bold r:id="rId13"/>
+      <p:bold r:id="rId14"/>
     </p:embeddedFont>
     <p:embeddedFont>
       <p:font typeface="나눔스퀘어 ExtraBold" panose="020B0600000101010101" pitchFamily="50" charset="-127"/>
-      <p:bold r:id="rId14"/>
+      <p:bold r:id="rId15"/>
     </p:embeddedFont>
     <p:embeddedFont>
       <p:font typeface="맑은 고딕" panose="020B0503020000020004" pitchFamily="50" charset="-127"/>
-      <p:regular r:id="rId15"/>
-      <p:bold r:id="rId16"/>
+      <p:regular r:id="rId16"/>
+      <p:bold r:id="rId17"/>
     </p:embeddedFont>
   </p:embeddedFontLst>
   <p:defaultTextStyle>
@@ -4273,6 +4274,283 @@
     <p:extLst>
       <p:ext uri="{BB962C8B-B14F-4D97-AF65-F5344CB8AC3E}">
         <p14:creationId xmlns:p14="http://schemas.microsoft.com/office/powerpoint/2010/main" val="3156314017"/>
+      </p:ext>
+    </p:extLst>
+  </p:cSld>
+  <p:clrMapOvr>
+    <a:masterClrMapping/>
+  </p:clrMapOvr>
+</p:sld>
+</file>
+
+<file path=ppt/slides/slide10.xml><?xml version="1.0" encoding="utf-8"?>
+<p:sld xmlns:a="http://schemas.openxmlformats.org/drawingml/2006/main" xmlns:r="http://schemas.openxmlformats.org/officeDocument/2006/relationships" xmlns:p="http://schemas.openxmlformats.org/presentationml/2006/main">
+  <p:cSld>
+    <p:spTree>
+      <p:nvGrpSpPr>
+        <p:cNvPr id="1" name=""/>
+        <p:cNvGrpSpPr/>
+        <p:nvPr/>
+      </p:nvGrpSpPr>
+      <p:grpSpPr>
+        <a:xfrm>
+          <a:off x="0" y="0"/>
+          <a:ext cx="0" cy="0"/>
+          <a:chOff x="0" y="0"/>
+          <a:chExt cx="0" cy="0"/>
+        </a:xfrm>
+      </p:grpSpPr>
+      <p:grpSp>
+        <p:nvGrpSpPr>
+          <p:cNvPr id="33" name="그룹 32">
+            <a:extLst>
+              <a:ext uri="{FF2B5EF4-FFF2-40B4-BE49-F238E27FC236}">
+                <a16:creationId xmlns:a16="http://schemas.microsoft.com/office/drawing/2014/main" id="{8D82A399-DB44-4D6C-99CA-7B2007F77919}"/>
+              </a:ext>
+            </a:extLst>
+          </p:cNvPr>
+          <p:cNvGrpSpPr/>
+          <p:nvPr/>
+        </p:nvGrpSpPr>
+        <p:grpSpPr>
+          <a:xfrm>
+            <a:off x="220854" y="-2827"/>
+            <a:ext cx="6451251" cy="1127817"/>
+            <a:chOff x="220854" y="-2827"/>
+            <a:chExt cx="6451251" cy="1127817"/>
+          </a:xfrm>
+        </p:grpSpPr>
+        <p:sp>
+          <p:nvSpPr>
+            <p:cNvPr id="34" name="TextBox 33">
+              <a:extLst>
+                <a:ext uri="{FF2B5EF4-FFF2-40B4-BE49-F238E27FC236}">
+                  <a16:creationId xmlns:a16="http://schemas.microsoft.com/office/drawing/2014/main" id="{08F8AEC5-C6EE-4758-832A-07CF3FD65647}"/>
+                </a:ext>
+              </a:extLst>
+            </p:cNvPr>
+            <p:cNvSpPr txBox="1"/>
+            <p:nvPr/>
+          </p:nvSpPr>
+          <p:spPr>
+            <a:xfrm>
+              <a:off x="1427901" y="348068"/>
+              <a:ext cx="5244204" cy="461665"/>
+            </a:xfrm>
+            <a:prstGeom prst="rect">
+              <a:avLst/>
+            </a:prstGeom>
+            <a:noFill/>
+          </p:spPr>
+          <p:txBody>
+            <a:bodyPr wrap="square">
+              <a:spAutoFit/>
+            </a:bodyPr>
+            <a:lstStyle/>
+            <a:p>
+              <a:r>
+                <a:rPr lang="en-US" altLang="ko-KR" sz="2400" b="0" dirty="0">
+                  <a:solidFill>
+                    <a:srgbClr val="002060"/>
+                  </a:solidFill>
+                  <a:latin typeface="나눔스퀘어 Bold" panose="020B0600000101010101" pitchFamily="50" charset="-127"/>
+                  <a:ea typeface="나눔스퀘어 Bold" panose="020B0600000101010101" pitchFamily="50" charset="-127"/>
+                </a:rPr>
+                <a:t>Appendix - </a:t>
+              </a:r>
+              <a:r>
+                <a:rPr lang="ko-KR" altLang="en-US" sz="2400" b="0" dirty="0">
+                  <a:solidFill>
+                    <a:srgbClr val="002060"/>
+                  </a:solidFill>
+                  <a:latin typeface="나눔스퀘어 Bold" panose="020B0600000101010101" pitchFamily="50" charset="-127"/>
+                  <a:ea typeface="나눔스퀘어 Bold" panose="020B0600000101010101" pitchFamily="50" charset="-127"/>
+                </a:rPr>
+                <a:t>구현코드</a:t>
+              </a:r>
+              <a:endParaRPr lang="ko-KR" altLang="en-US" sz="2400" dirty="0">
+                <a:solidFill>
+                  <a:srgbClr val="002060"/>
+                </a:solidFill>
+              </a:endParaRPr>
+            </a:p>
+          </p:txBody>
+        </p:sp>
+        <p:sp>
+          <p:nvSpPr>
+            <p:cNvPr id="35" name="직사각형 34">
+              <a:extLst>
+                <a:ext uri="{FF2B5EF4-FFF2-40B4-BE49-F238E27FC236}">
+                  <a16:creationId xmlns:a16="http://schemas.microsoft.com/office/drawing/2014/main" id="{7C3B5321-6E43-44AE-A885-E9CA73756A27}"/>
+                </a:ext>
+              </a:extLst>
+            </p:cNvPr>
+            <p:cNvSpPr/>
+            <p:nvPr/>
+          </p:nvSpPr>
+          <p:spPr>
+            <a:xfrm>
+              <a:off x="220854" y="-2827"/>
+              <a:ext cx="1017600" cy="1127817"/>
+            </a:xfrm>
+            <a:prstGeom prst="rect">
+              <a:avLst/>
+            </a:prstGeom>
+            <a:solidFill>
+              <a:srgbClr val="002060"/>
+            </a:solidFill>
+            <a:ln>
+              <a:noFill/>
+            </a:ln>
+          </p:spPr>
+          <p:style>
+            <a:lnRef idx="2">
+              <a:schemeClr val="accent1">
+                <a:shade val="50000"/>
+              </a:schemeClr>
+            </a:lnRef>
+            <a:fillRef idx="1">
+              <a:schemeClr val="accent1"/>
+            </a:fillRef>
+            <a:effectRef idx="0">
+              <a:schemeClr val="accent1"/>
+            </a:effectRef>
+            <a:fontRef idx="minor">
+              <a:schemeClr val="lt1"/>
+            </a:fontRef>
+          </p:style>
+          <p:txBody>
+            <a:bodyPr rtlCol="0" anchor="ctr"/>
+            <a:lstStyle/>
+            <a:p>
+              <a:pPr algn="ctr"/>
+              <a:endParaRPr lang="ko-KR" altLang="en-US" sz="2400" dirty="0"/>
+            </a:p>
+          </p:txBody>
+        </p:sp>
+        <p:sp>
+          <p:nvSpPr>
+            <p:cNvPr id="36" name="TextBox 35">
+              <a:extLst>
+                <a:ext uri="{FF2B5EF4-FFF2-40B4-BE49-F238E27FC236}">
+                  <a16:creationId xmlns:a16="http://schemas.microsoft.com/office/drawing/2014/main" id="{11836904-76AB-4E7B-AAE3-280557AACD62}"/>
+                </a:ext>
+              </a:extLst>
+            </p:cNvPr>
+            <p:cNvSpPr txBox="1"/>
+            <p:nvPr/>
+          </p:nvSpPr>
+          <p:spPr>
+            <a:xfrm>
+              <a:off x="343880" y="193847"/>
+              <a:ext cx="881874" cy="707886"/>
+            </a:xfrm>
+            <a:prstGeom prst="rect">
+              <a:avLst/>
+            </a:prstGeom>
+            <a:noFill/>
+          </p:spPr>
+          <p:txBody>
+            <a:bodyPr wrap="square" rtlCol="0">
+              <a:spAutoFit/>
+            </a:bodyPr>
+            <a:lstStyle/>
+            <a:p>
+              <a:r>
+                <a:rPr lang="en-US" altLang="ko-KR" sz="4000" dirty="0">
+                  <a:solidFill>
+                    <a:schemeClr val="bg1"/>
+                  </a:solidFill>
+                  <a:latin typeface="나눔스퀘어 Bold" panose="020B0600000101010101" pitchFamily="50" charset="-127"/>
+                  <a:ea typeface="나눔스퀘어 Bold" panose="020B0600000101010101" pitchFamily="50" charset="-127"/>
+                </a:rPr>
+                <a:t>04</a:t>
+              </a:r>
+              <a:endParaRPr lang="ko-KR" altLang="en-US" sz="4000" dirty="0">
+                <a:solidFill>
+                  <a:schemeClr val="bg1"/>
+                </a:solidFill>
+                <a:latin typeface="나눔스퀘어 Bold" panose="020B0600000101010101" pitchFamily="50" charset="-127"/>
+                <a:ea typeface="나눔스퀘어 Bold" panose="020B0600000101010101" pitchFamily="50" charset="-127"/>
+              </a:endParaRPr>
+            </a:p>
+          </p:txBody>
+        </p:sp>
+      </p:grpSp>
+      <p:pic>
+        <p:nvPicPr>
+          <p:cNvPr id="4" name="그림 3">
+            <a:extLst>
+              <a:ext uri="{FF2B5EF4-FFF2-40B4-BE49-F238E27FC236}">
+                <a16:creationId xmlns:a16="http://schemas.microsoft.com/office/drawing/2014/main" id="{EDA25AD6-F7CB-431D-BCF9-695D36B66B01}"/>
+              </a:ext>
+            </a:extLst>
+          </p:cNvPr>
+          <p:cNvPicPr>
+            <a:picLocks noChangeAspect="1"/>
+          </p:cNvPicPr>
+          <p:nvPr/>
+        </p:nvPicPr>
+        <p:blipFill>
+          <a:blip r:embed="rId2"/>
+          <a:stretch>
+            <a:fillRect/>
+          </a:stretch>
+        </p:blipFill>
+        <p:spPr>
+          <a:xfrm>
+            <a:off x="5523370" y="1321665"/>
+            <a:ext cx="6324750" cy="5245996"/>
+          </a:xfrm>
+          <a:prstGeom prst="rect">
+            <a:avLst/>
+          </a:prstGeom>
+          <a:ln>
+            <a:solidFill>
+              <a:schemeClr val="tx1"/>
+            </a:solidFill>
+          </a:ln>
+        </p:spPr>
+      </p:pic>
+      <p:pic>
+        <p:nvPicPr>
+          <p:cNvPr id="6" name="그림 5">
+            <a:extLst>
+              <a:ext uri="{FF2B5EF4-FFF2-40B4-BE49-F238E27FC236}">
+                <a16:creationId xmlns:a16="http://schemas.microsoft.com/office/drawing/2014/main" id="{8219A77B-88D4-47FF-8585-108F0FD5EE9A}"/>
+              </a:ext>
+            </a:extLst>
+          </p:cNvPr>
+          <p:cNvPicPr>
+            <a:picLocks noChangeAspect="1"/>
+          </p:cNvPicPr>
+          <p:nvPr/>
+        </p:nvPicPr>
+        <p:blipFill>
+          <a:blip r:embed="rId3"/>
+          <a:stretch>
+            <a:fillRect/>
+          </a:stretch>
+        </p:blipFill>
+        <p:spPr>
+          <a:xfrm>
+            <a:off x="343880" y="1321664"/>
+            <a:ext cx="4871283" cy="5245997"/>
+          </a:xfrm>
+          <a:prstGeom prst="rect">
+            <a:avLst/>
+          </a:prstGeom>
+          <a:ln>
+            <a:solidFill>
+              <a:schemeClr val="tx1"/>
+            </a:solidFill>
+          </a:ln>
+        </p:spPr>
+      </p:pic>
+    </p:spTree>
+    <p:extLst>
+      <p:ext uri="{BB962C8B-B14F-4D97-AF65-F5344CB8AC3E}">
+        <p14:creationId xmlns:p14="http://schemas.microsoft.com/office/powerpoint/2010/main" val="1658425643"/>
       </p:ext>
     </p:extLst>
   </p:cSld>
